--- a/Project 3 Presentation - Amits.pptx
+++ b/Project 3 Presentation - Amits.pptx
@@ -5,10 +5,10 @@
     <p:sldMasterId id="2147483659" r:id="rId1"/>
   </p:sldMasterIdLst>
   <p:notesMasterIdLst>
-    <p:notesMasterId r:id="rId7"/>
+    <p:notesMasterId r:id="rId8"/>
   </p:notesMasterIdLst>
   <p:handoutMasterIdLst>
-    <p:handoutMasterId r:id="rId8"/>
+    <p:handoutMasterId r:id="rId9"/>
   </p:handoutMasterIdLst>
   <p:sldIdLst>
     <p:sldId id="302" r:id="rId2"/>
@@ -16,30 +16,31 @@
     <p:sldId id="291" r:id="rId4"/>
     <p:sldId id="318" r:id="rId5"/>
     <p:sldId id="317" r:id="rId6"/>
+    <p:sldId id="319" r:id="rId7"/>
   </p:sldIdLst>
   <p:sldSz cx="9144000" cy="5143500" type="screen16x9"/>
   <p:notesSz cx="6858000" cy="9144000"/>
   <p:embeddedFontLst>
     <p:embeddedFont>
       <p:font typeface="Averia Libre" panose="020B0604020202020204" charset="0"/>
-      <p:regular r:id="rId9"/>
-      <p:bold r:id="rId10"/>
-      <p:italic r:id="rId11"/>
-      <p:boldItalic r:id="rId12"/>
+      <p:regular r:id="rId10"/>
+      <p:bold r:id="rId11"/>
+      <p:italic r:id="rId12"/>
+      <p:boldItalic r:id="rId13"/>
     </p:embeddedFont>
     <p:embeddedFont>
       <p:font typeface="Calibri" panose="020F0502020204030204" pitchFamily="34" charset="0"/>
-      <p:regular r:id="rId13"/>
-      <p:bold r:id="rId14"/>
-      <p:italic r:id="rId15"/>
-      <p:boldItalic r:id="rId16"/>
+      <p:regular r:id="rId14"/>
+      <p:bold r:id="rId15"/>
+      <p:italic r:id="rId16"/>
+      <p:boldItalic r:id="rId17"/>
     </p:embeddedFont>
     <p:embeddedFont>
       <p:font typeface="Work Sans Regular" panose="020B0604020202020204" charset="0"/>
-      <p:regular r:id="rId17"/>
-      <p:bold r:id="rId18"/>
-      <p:italic r:id="rId19"/>
-      <p:boldItalic r:id="rId20"/>
+      <p:regular r:id="rId18"/>
+      <p:bold r:id="rId19"/>
+      <p:italic r:id="rId20"/>
+      <p:boldItalic r:id="rId21"/>
     </p:embeddedFont>
   </p:embeddedFontLst>
   <p:defaultTextStyle>
@@ -12663,6 +12664,122 @@
 </p:sld>
 </file>
 
+<file path=ppt/slides/slide6.xml><?xml version="1.0" encoding="utf-8"?>
+<p:sld xmlns:a="http://schemas.openxmlformats.org/drawingml/2006/main" xmlns:r="http://schemas.openxmlformats.org/officeDocument/2006/relationships" xmlns:p="http://schemas.openxmlformats.org/presentationml/2006/main">
+  <p:cSld>
+    <p:spTree>
+      <p:nvGrpSpPr>
+        <p:cNvPr id="1" name=""/>
+        <p:cNvGrpSpPr/>
+        <p:nvPr/>
+      </p:nvGrpSpPr>
+      <p:grpSpPr>
+        <a:xfrm>
+          <a:off x="0" y="0"/>
+          <a:ext cx="0" cy="0"/>
+          <a:chOff x="0" y="0"/>
+          <a:chExt cx="0" cy="0"/>
+        </a:xfrm>
+      </p:grpSpPr>
+      <p:sp>
+        <p:nvSpPr>
+          <p:cNvPr id="2" name="Title 1">
+            <a:extLst>
+              <a:ext uri="{FF2B5EF4-FFF2-40B4-BE49-F238E27FC236}">
+                <a16:creationId xmlns:a16="http://schemas.microsoft.com/office/drawing/2014/main" id="{BA4474DF-AE4E-4C1B-A661-0972EB4FB654}"/>
+              </a:ext>
+            </a:extLst>
+          </p:cNvPr>
+          <p:cNvSpPr>
+            <a:spLocks noGrp="1"/>
+          </p:cNvSpPr>
+          <p:nvPr>
+            <p:ph type="title"/>
+          </p:nvPr>
+        </p:nvSpPr>
+        <p:spPr/>
+        <p:txBody>
+          <a:bodyPr/>
+          <a:lstStyle/>
+          <a:p>
+            <a:r>
+              <a:rPr lang="en-US" dirty="0"/>
+              <a:t>Descriptive Analytics</a:t>
+            </a:r>
+          </a:p>
+        </p:txBody>
+      </p:sp>
+      <p:pic>
+        <p:nvPicPr>
+          <p:cNvPr id="4" name="Picture 3">
+            <a:extLst>
+              <a:ext uri="{FF2B5EF4-FFF2-40B4-BE49-F238E27FC236}">
+                <a16:creationId xmlns:a16="http://schemas.microsoft.com/office/drawing/2014/main" id="{565D3A08-5B51-4334-8DEB-C8218C9358FD}"/>
+              </a:ext>
+            </a:extLst>
+          </p:cNvPr>
+          <p:cNvPicPr>
+            <a:picLocks noChangeAspect="1"/>
+          </p:cNvPicPr>
+          <p:nvPr/>
+        </p:nvPicPr>
+        <p:blipFill>
+          <a:blip r:embed="rId2"/>
+          <a:stretch>
+            <a:fillRect/>
+          </a:stretch>
+        </p:blipFill>
+        <p:spPr>
+          <a:xfrm>
+            <a:off x="1557337" y="1018130"/>
+            <a:ext cx="6029325" cy="3487367"/>
+          </a:xfrm>
+          <a:prstGeom prst="rect">
+            <a:avLst/>
+          </a:prstGeom>
+        </p:spPr>
+      </p:pic>
+      <p:sp>
+        <p:nvSpPr>
+          <p:cNvPr id="3" name="Text Placeholder 2">
+            <a:extLst>
+              <a:ext uri="{FF2B5EF4-FFF2-40B4-BE49-F238E27FC236}">
+                <a16:creationId xmlns:a16="http://schemas.microsoft.com/office/drawing/2014/main" id="{F369346F-D5A1-452A-8C37-D7447ACBD8C1}"/>
+              </a:ext>
+            </a:extLst>
+          </p:cNvPr>
+          <p:cNvSpPr>
+            <a:spLocks noGrp="1"/>
+          </p:cNvSpPr>
+          <p:nvPr>
+            <p:ph type="body" idx="1"/>
+          </p:nvPr>
+        </p:nvSpPr>
+        <p:spPr/>
+        <p:txBody>
+          <a:bodyPr/>
+          <a:lstStyle/>
+          <a:p>
+            <a:pPr marL="76200" indent="0">
+              <a:buNone/>
+            </a:pPr>
+            <a:endParaRPr lang="en-US" dirty="0"/>
+          </a:p>
+        </p:txBody>
+      </p:sp>
+    </p:spTree>
+    <p:extLst>
+      <p:ext uri="{BB962C8B-B14F-4D97-AF65-F5344CB8AC3E}">
+        <p14:creationId xmlns:p14="http://schemas.microsoft.com/office/powerpoint/2010/main" val="2995659496"/>
+      </p:ext>
+    </p:extLst>
+  </p:cSld>
+  <p:clrMapOvr>
+    <a:masterClrMapping/>
+  </p:clrMapOvr>
+</p:sld>
+</file>
+
 <file path=ppt/theme/theme1.xml><?xml version="1.0" encoding="utf-8"?>
 <a:theme xmlns:a="http://schemas.openxmlformats.org/drawingml/2006/main" name="Thaisa template">
   <a:themeElements>

--- a/Project 3 Presentation - Amits.pptx
+++ b/Project 3 Presentation - Amits.pptx
@@ -11993,36 +11993,6 @@
           <a:chExt cx="0" cy="0"/>
         </a:xfrm>
       </p:grpSpPr>
-      <p:pic>
-        <p:nvPicPr>
-          <p:cNvPr id="4" name="Picture 3">
-            <a:extLst>
-              <a:ext uri="{FF2B5EF4-FFF2-40B4-BE49-F238E27FC236}">
-                <a16:creationId xmlns:a16="http://schemas.microsoft.com/office/drawing/2014/main" id="{57AA728E-0FEF-4935-A0A0-07F9E0D3296B}"/>
-              </a:ext>
-            </a:extLst>
-          </p:cNvPr>
-          <p:cNvPicPr>
-            <a:picLocks noChangeAspect="1"/>
-          </p:cNvPicPr>
-          <p:nvPr/>
-        </p:nvPicPr>
-        <p:blipFill>
-          <a:blip r:embed="rId3"/>
-          <a:stretch>
-            <a:fillRect/>
-          </a:stretch>
-        </p:blipFill>
-        <p:spPr>
-          <a:xfrm>
-            <a:off x="2519265" y="1018130"/>
-            <a:ext cx="4105469" cy="3858070"/>
-          </a:xfrm>
-          <a:prstGeom prst="rect">
-            <a:avLst/>
-          </a:prstGeom>
-        </p:spPr>
-      </p:pic>
       <p:sp>
         <p:nvSpPr>
           <p:cNvPr id="175" name="Google Shape;175;p16"/>
@@ -12109,6 +12079,36 @@
           </a:p>
         </p:txBody>
       </p:sp>
+      <p:pic>
+        <p:nvPicPr>
+          <p:cNvPr id="5" name="Picture 4">
+            <a:extLst>
+              <a:ext uri="{FF2B5EF4-FFF2-40B4-BE49-F238E27FC236}">
+                <a16:creationId xmlns:a16="http://schemas.microsoft.com/office/drawing/2014/main" id="{5ED52450-3729-4B10-858D-A47535677A18}"/>
+              </a:ext>
+            </a:extLst>
+          </p:cNvPr>
+          <p:cNvPicPr>
+            <a:picLocks noChangeAspect="1"/>
+          </p:cNvPicPr>
+          <p:nvPr/>
+        </p:nvPicPr>
+        <p:blipFill>
+          <a:blip r:embed="rId3"/>
+          <a:stretch>
+            <a:fillRect/>
+          </a:stretch>
+        </p:blipFill>
+        <p:spPr>
+          <a:xfrm>
+            <a:off x="2732726" y="911475"/>
+            <a:ext cx="4151059" cy="3974995"/>
+          </a:xfrm>
+          <a:prstGeom prst="rect">
+            <a:avLst/>
+          </a:prstGeom>
+        </p:spPr>
+      </p:pic>
     </p:spTree>
     <p:extLst>
       <p:ext uri="{BB962C8B-B14F-4D97-AF65-F5344CB8AC3E}">
